--- a/restful-Api-Presentation/sullenger-Assignment-9.2.pptx
+++ b/restful-Api-Presentation/sullenger-Assignment-9.2.pptx
@@ -113,6 +113,11 @@
       </a:defRPr>
     </a:lvl9pPr>
   </p:defaultTextStyle>
+  <p:extLst>
+    <p:ext uri="{EFAFB233-063F-42B5-8137-9DF3F51BA10A}">
+      <p15:sldGuideLst xmlns:p15="http://schemas.microsoft.com/office/powerpoint/2012/main"/>
+    </p:ext>
+  </p:extLst>
 </p:presentation>
 </file>
 
@@ -211,7 +216,7 @@
           <a:effectLst/>
           <a:extLst>
             <a:ext uri="{91240B29-F687-4f45-9708-019B960494DF}">
-              <a14:hiddenLine xmlns:a14="http://schemas.microsoft.com/office/drawing/2010/main" xmlns="" w="9525">
+              <a14:hiddenLine xmlns="" xmlns:a14="http://schemas.microsoft.com/office/drawing/2010/main" w="9525">
                 <a:solidFill>
                   <a:srgbClr val="000000"/>
                 </a:solidFill>
@@ -1741,7 +1746,7 @@
           <a:ln/>
           <a:extLst>
             <a:ext uri="{91240B29-F687-4f45-9708-019B960494DF}">
-              <a14:hiddenLine xmlns:a14="http://schemas.microsoft.com/office/drawing/2010/main" xmlns="" w="9525">
+              <a14:hiddenLine xmlns="" xmlns:a14="http://schemas.microsoft.com/office/drawing/2010/main" w="9525">
                 <a:solidFill>
                   <a:srgbClr val="000000"/>
                 </a:solidFill>
@@ -2018,7 +2023,7 @@
           <a:ln/>
           <a:extLst>
             <a:ext uri="{91240B29-F687-4f45-9708-019B960494DF}">
-              <a14:hiddenLine xmlns:a14="http://schemas.microsoft.com/office/drawing/2010/main" xmlns="" w="9525">
+              <a14:hiddenLine xmlns="" xmlns:a14="http://schemas.microsoft.com/office/drawing/2010/main" w="9525">
                 <a:solidFill>
                   <a:srgbClr val="000000"/>
                 </a:solidFill>
@@ -2303,7 +2308,7 @@
           <a:ln/>
           <a:extLst>
             <a:ext uri="{91240B29-F687-4f45-9708-019B960494DF}">
-              <a14:hiddenLine xmlns:a14="http://schemas.microsoft.com/office/drawing/2010/main" xmlns="" w="9525">
+              <a14:hiddenLine xmlns="" xmlns:a14="http://schemas.microsoft.com/office/drawing/2010/main" w="9525">
                 <a:solidFill>
                   <a:srgbClr val="000000"/>
                 </a:solidFill>
@@ -2933,7 +2938,7 @@
           <a:ln/>
           <a:extLst>
             <a:ext uri="{91240B29-F687-4f45-9708-019B960494DF}">
-              <a14:hiddenLine xmlns:a14="http://schemas.microsoft.com/office/drawing/2010/main" xmlns="" w="9525">
+              <a14:hiddenLine xmlns="" xmlns:a14="http://schemas.microsoft.com/office/drawing/2010/main" w="9525">
                 <a:solidFill>
                   <a:srgbClr val="000000"/>
                 </a:solidFill>
@@ -3274,7 +3279,7 @@
           <a:ln/>
           <a:extLst>
             <a:ext uri="{91240B29-F687-4f45-9708-019B960494DF}">
-              <a14:hiddenLine xmlns:a14="http://schemas.microsoft.com/office/drawing/2010/main" xmlns="" w="9525">
+              <a14:hiddenLine xmlns="" xmlns:a14="http://schemas.microsoft.com/office/drawing/2010/main" w="9525">
                 <a:solidFill>
                   <a:srgbClr val="000000"/>
                 </a:solidFill>
@@ -3753,7 +3758,7 @@
           <a:ln/>
           <a:extLst>
             <a:ext uri="{91240B29-F687-4f45-9708-019B960494DF}">
-              <a14:hiddenLine xmlns:a14="http://schemas.microsoft.com/office/drawing/2010/main" xmlns="" w="9525">
+              <a14:hiddenLine xmlns="" xmlns:a14="http://schemas.microsoft.com/office/drawing/2010/main" w="9525">
                 <a:solidFill>
                   <a:srgbClr val="000000"/>
                 </a:solidFill>
@@ -4186,7 +4191,7 @@
           <a:ln/>
           <a:extLst>
             <a:ext uri="{91240B29-F687-4f45-9708-019B960494DF}">
-              <a14:hiddenLine xmlns:a14="http://schemas.microsoft.com/office/drawing/2010/main" xmlns="" w="9525">
+              <a14:hiddenLine xmlns="" xmlns:a14="http://schemas.microsoft.com/office/drawing/2010/main" w="9525">
                 <a:solidFill>
                   <a:srgbClr val="000000"/>
                 </a:solidFill>
@@ -5487,8 +5492,12 @@
           </a:p>
           <a:p>
             <a:r>
+              <a:rPr lang="en-US"/>
+              <a:t>30 </a:t>
+            </a:r>
+            <a:r>
               <a:rPr lang="en-US" dirty="0"/>
-              <a:t>23 June 2019</a:t>
+              <a:t>June 2019</a:t>
             </a:r>
           </a:p>
           <a:p>
@@ -5813,7 +5822,7 @@
           <a:effectLst/>
           <a:extLst>
             <a:ext uri="{91240B29-F687-4f45-9708-019B960494DF}">
-              <a14:hiddenLine xmlns="" xmlns:a14="http://schemas.microsoft.com/office/drawing/2010/main" xmlns:p14="http://schemas.microsoft.com/office/powerpoint/2010/main" xmlns:a16="http://schemas.microsoft.com/office/drawing/2014/main" w="9525">
+              <a14:hiddenLine xmlns:a16="http://schemas.microsoft.com/office/drawing/2014/main" xmlns:p14="http://schemas.microsoft.com/office/powerpoint/2010/main" xmlns:a14="http://schemas.microsoft.com/office/drawing/2010/main" xmlns="" w="9525">
                 <a:solidFill>
                   <a:srgbClr val="000000"/>
                 </a:solidFill>
